--- a/Structure.pptx
+++ b/Structure.pptx
@@ -3682,7 +3682,7 @@
         <p:spPr>
           <a:xfrm>
             <a:off x="3232178" y="3075432"/>
-            <a:ext cx="5631459" cy="1200329"/>
+            <a:ext cx="5756002" cy="1200329"/>
           </a:xfrm>
           <a:prstGeom prst="rect">
             <a:avLst/>
@@ -3741,7 +3741,7 @@
             </a:pPr>
             <a:r>
               <a:rPr lang="en-US" dirty="0" smtClean="0"/>
-              <a:t>produce conclusion and recommendation as output</a:t>
+              <a:t>output the extracted information and recommendations</a:t>
             </a:r>
             <a:endParaRPr lang="en-US" dirty="0"/>
           </a:p>
